--- a/1.pptx
+++ b/1.pptx
@@ -213,7 +213,7 @@
           <a:p>
             <a:fld id="{B930D12C-FE87-4E48-B292-C077140C16DE}" type="datetimeFigureOut">
               <a:rPr lang="en-GB" smtClean="0"/>
-              <a:t>06/09/2025</a:t>
+              <a:t>09/09/2025</a:t>
             </a:fld>
             <a:endParaRPr lang="en-GB"/>
           </a:p>
@@ -746,7 +746,7 @@
           <a:p>
             <a:fld id="{10BA952B-BBE5-4122-BDFE-5F8356C7F307}" type="datetimeFigureOut">
               <a:rPr lang="en-GB" smtClean="0"/>
-              <a:t>06/09/2025</a:t>
+              <a:t>09/09/2025</a:t>
             </a:fld>
             <a:endParaRPr lang="en-GB"/>
           </a:p>
@@ -916,7 +916,7 @@
           <a:p>
             <a:fld id="{10BA952B-BBE5-4122-BDFE-5F8356C7F307}" type="datetimeFigureOut">
               <a:rPr lang="en-GB" smtClean="0"/>
-              <a:t>06/09/2025</a:t>
+              <a:t>09/09/2025</a:t>
             </a:fld>
             <a:endParaRPr lang="en-GB"/>
           </a:p>
@@ -1096,7 +1096,7 @@
           <a:p>
             <a:fld id="{10BA952B-BBE5-4122-BDFE-5F8356C7F307}" type="datetimeFigureOut">
               <a:rPr lang="en-GB" smtClean="0"/>
-              <a:t>06/09/2025</a:t>
+              <a:t>09/09/2025</a:t>
             </a:fld>
             <a:endParaRPr lang="en-GB"/>
           </a:p>
@@ -1266,7 +1266,7 @@
           <a:p>
             <a:fld id="{10BA952B-BBE5-4122-BDFE-5F8356C7F307}" type="datetimeFigureOut">
               <a:rPr lang="en-GB" smtClean="0"/>
-              <a:t>06/09/2025</a:t>
+              <a:t>09/09/2025</a:t>
             </a:fld>
             <a:endParaRPr lang="en-GB"/>
           </a:p>
@@ -1512,7 +1512,7 @@
           <a:p>
             <a:fld id="{10BA952B-BBE5-4122-BDFE-5F8356C7F307}" type="datetimeFigureOut">
               <a:rPr lang="en-GB" smtClean="0"/>
-              <a:t>06/09/2025</a:t>
+              <a:t>09/09/2025</a:t>
             </a:fld>
             <a:endParaRPr lang="en-GB"/>
           </a:p>
@@ -1800,7 +1800,7 @@
           <a:p>
             <a:fld id="{10BA952B-BBE5-4122-BDFE-5F8356C7F307}" type="datetimeFigureOut">
               <a:rPr lang="en-GB" smtClean="0"/>
-              <a:t>06/09/2025</a:t>
+              <a:t>09/09/2025</a:t>
             </a:fld>
             <a:endParaRPr lang="en-GB"/>
           </a:p>
@@ -2222,7 +2222,7 @@
           <a:p>
             <a:fld id="{10BA952B-BBE5-4122-BDFE-5F8356C7F307}" type="datetimeFigureOut">
               <a:rPr lang="en-GB" smtClean="0"/>
-              <a:t>06/09/2025</a:t>
+              <a:t>09/09/2025</a:t>
             </a:fld>
             <a:endParaRPr lang="en-GB"/>
           </a:p>
@@ -2340,7 +2340,7 @@
           <a:p>
             <a:fld id="{10BA952B-BBE5-4122-BDFE-5F8356C7F307}" type="datetimeFigureOut">
               <a:rPr lang="en-GB" smtClean="0"/>
-              <a:t>06/09/2025</a:t>
+              <a:t>09/09/2025</a:t>
             </a:fld>
             <a:endParaRPr lang="en-GB"/>
           </a:p>
@@ -2435,7 +2435,7 @@
           <a:p>
             <a:fld id="{10BA952B-BBE5-4122-BDFE-5F8356C7F307}" type="datetimeFigureOut">
               <a:rPr lang="en-GB" smtClean="0"/>
-              <a:t>06/09/2025</a:t>
+              <a:t>09/09/2025</a:t>
             </a:fld>
             <a:endParaRPr lang="en-GB"/>
           </a:p>
@@ -2712,7 +2712,7 @@
           <a:p>
             <a:fld id="{10BA952B-BBE5-4122-BDFE-5F8356C7F307}" type="datetimeFigureOut">
               <a:rPr lang="en-GB" smtClean="0"/>
-              <a:t>06/09/2025</a:t>
+              <a:t>09/09/2025</a:t>
             </a:fld>
             <a:endParaRPr lang="en-GB"/>
           </a:p>
@@ -2965,7 +2965,7 @@
           <a:p>
             <a:fld id="{10BA952B-BBE5-4122-BDFE-5F8356C7F307}" type="datetimeFigureOut">
               <a:rPr lang="en-GB" smtClean="0"/>
-              <a:t>06/09/2025</a:t>
+              <a:t>09/09/2025</a:t>
             </a:fld>
             <a:endParaRPr lang="en-GB"/>
           </a:p>
@@ -3178,7 +3178,7 @@
           <a:p>
             <a:fld id="{10BA952B-BBE5-4122-BDFE-5F8356C7F307}" type="datetimeFigureOut">
               <a:rPr lang="en-GB" smtClean="0"/>
-              <a:t>06/09/2025</a:t>
+              <a:t>09/09/2025</a:t>
             </a:fld>
             <a:endParaRPr lang="en-GB"/>
           </a:p>
@@ -3604,7 +3604,9 @@
         </p:nvSpPr>
         <p:spPr/>
         <p:txBody>
-          <a:bodyPr/>
+          <a:bodyPr>
+            <a:normAutofit fontScale="85000" lnSpcReduction="20000"/>
+          </a:bodyPr>
           <a:lstStyle/>
           <a:p>
             <a:r>
@@ -3614,17 +3616,14 @@
           </a:p>
           <a:p>
             <a:r>
-              <a:rPr lang="hu-HU" dirty="0" smtClean="0"/>
-              <a:t>09/</a:t>
-            </a:r>
-            <a:r>
-              <a:rPr lang="hu-HU" dirty="0" err="1" smtClean="0"/>
-              <a:t>09</a:t>
-            </a:r>
-            <a:r>
-              <a:rPr lang="hu-HU" dirty="0" smtClean="0"/>
-              <a:t>/2025</a:t>
-            </a:r>
+              <a:rPr lang="hu-HU" dirty="0" err="1" smtClean="0"/>
+              <a:t>September</a:t>
+            </a:r>
+            <a:r>
+              <a:rPr lang="hu-HU" smtClean="0"/>
+              <a:t> 9, 2025</a:t>
+            </a:r>
+            <a:endParaRPr lang="hu-HU" dirty="0" smtClean="0"/>
           </a:p>
           <a:p>
             <a:r>
@@ -3641,7 +3640,25 @@
             </a:r>
             <a:r>
               <a:rPr lang="hu-HU" dirty="0" smtClean="0"/>
-              <a:t> of Health Science</a:t>
+              <a:t> of Health </a:t>
+            </a:r>
+            <a:r>
+              <a:rPr lang="hu-HU" dirty="0" smtClean="0"/>
+              <a:t>Science,</a:t>
+            </a:r>
+          </a:p>
+          <a:p>
+            <a:r>
+              <a:rPr lang="hu-HU" dirty="0" err="1"/>
+              <a:t>Department</a:t>
+            </a:r>
+            <a:r>
+              <a:rPr lang="hu-HU" dirty="0"/>
+              <a:t> of </a:t>
+            </a:r>
+            <a:r>
+              <a:rPr lang="hu-HU" dirty="0" err="1"/>
+              <a:t>Bioinformatics</a:t>
             </a:r>
             <a:endParaRPr lang="en-GB" dirty="0"/>
           </a:p>
@@ -5216,11 +5233,7 @@
             </a:r>
             <a:r>
               <a:rPr lang="hu-HU" sz="1400" dirty="0" smtClean="0"/>
-              <a:t>.</a:t>
-            </a:r>
-            <a:r>
-              <a:rPr lang="hu-HU" sz="1400" dirty="0" smtClean="0"/>
-              <a:t> </a:t>
+              <a:t>. </a:t>
             </a:r>
             <a:r>
               <a:rPr lang="hu-HU" sz="1400" dirty="0" err="1" smtClean="0"/>
@@ -5615,11 +5628,7 @@
             </a:r>
             <a:r>
               <a:rPr lang="hu-HU" sz="1400" dirty="0" smtClean="0"/>
-              <a:t> </a:t>
-            </a:r>
-            <a:r>
-              <a:rPr lang="hu-HU" sz="1400" dirty="0" smtClean="0"/>
-              <a:t>a </a:t>
+              <a:t> a </a:t>
             </a:r>
             <a:r>
               <a:rPr lang="hu-HU" sz="1400" dirty="0" err="1" smtClean="0"/>
@@ -5675,11 +5684,7 @@
             </a:r>
             <a:r>
               <a:rPr lang="hu-HU" sz="1400" dirty="0" smtClean="0"/>
-              <a:t> </a:t>
-            </a:r>
-            <a:r>
-              <a:rPr lang="hu-HU" sz="1400" dirty="0" smtClean="0"/>
-              <a:t>a </a:t>
+              <a:t> a </a:t>
             </a:r>
             <a:r>
               <a:rPr lang="hu-HU" sz="1400" dirty="0" err="1" smtClean="0"/>
@@ -5705,7 +5710,6 @@
               <a:rPr lang="hu-HU" sz="1400" dirty="0" smtClean="0"/>
               <a:t> English.</a:t>
             </a:r>
-            <a:endParaRPr lang="hu-HU" sz="1400" dirty="0" smtClean="0"/>
           </a:p>
         </p:txBody>
       </p:sp>
@@ -9897,7 +9901,6 @@
               <a:rPr lang="hu-HU" dirty="0" smtClean="0"/>
               <a:t>, etc.)</a:t>
             </a:r>
-            <a:endParaRPr lang="hu-HU" dirty="0" smtClean="0"/>
           </a:p>
           <a:p>
             <a:pPr lvl="2"/>
